--- a/data analysis/alpha_SNR_2018-4-9.pptx
+++ b/data analysis/alpha_SNR_2018-4-9.pptx
@@ -231,7 +231,7 @@
           <a:p>
             <a:fld id="{7632A2B4-7209-462E-905F-37D9BF206B00}" type="datetimeFigureOut">
               <a:rPr lang="en-US" smtClean="0"/>
-              <a:t>4/11/2018</a:t>
+              <a:t>6/5/2018</a:t>
             </a:fld>
             <a:endParaRPr lang="en-US"/>
           </a:p>
@@ -890,7 +890,7 @@
           <a:p>
             <a:fld id="{6F81013B-5B06-4D28-96F1-D627B35C6F6A}" type="datetimeFigureOut">
               <a:rPr lang="en-US" smtClean="0"/>
-              <a:t>4/11/2018</a:t>
+              <a:t>6/5/2018</a:t>
             </a:fld>
             <a:endParaRPr lang="en-US"/>
           </a:p>
@@ -1060,7 +1060,7 @@
           <a:p>
             <a:fld id="{6F81013B-5B06-4D28-96F1-D627B35C6F6A}" type="datetimeFigureOut">
               <a:rPr lang="en-US" smtClean="0"/>
-              <a:t>4/11/2018</a:t>
+              <a:t>6/5/2018</a:t>
             </a:fld>
             <a:endParaRPr lang="en-US"/>
           </a:p>
@@ -1240,7 +1240,7 @@
           <a:p>
             <a:fld id="{6F81013B-5B06-4D28-96F1-D627B35C6F6A}" type="datetimeFigureOut">
               <a:rPr lang="en-US" smtClean="0"/>
-              <a:t>4/11/2018</a:t>
+              <a:t>6/5/2018</a:t>
             </a:fld>
             <a:endParaRPr lang="en-US"/>
           </a:p>
@@ -1410,7 +1410,7 @@
           <a:p>
             <a:fld id="{6F81013B-5B06-4D28-96F1-D627B35C6F6A}" type="datetimeFigureOut">
               <a:rPr lang="en-US" smtClean="0"/>
-              <a:t>4/11/2018</a:t>
+              <a:t>6/5/2018</a:t>
             </a:fld>
             <a:endParaRPr lang="en-US"/>
           </a:p>
@@ -1656,7 +1656,7 @@
           <a:p>
             <a:fld id="{6F81013B-5B06-4D28-96F1-D627B35C6F6A}" type="datetimeFigureOut">
               <a:rPr lang="en-US" smtClean="0"/>
-              <a:t>4/11/2018</a:t>
+              <a:t>6/5/2018</a:t>
             </a:fld>
             <a:endParaRPr lang="en-US"/>
           </a:p>
@@ -1888,7 +1888,7 @@
           <a:p>
             <a:fld id="{6F81013B-5B06-4D28-96F1-D627B35C6F6A}" type="datetimeFigureOut">
               <a:rPr lang="en-US" smtClean="0"/>
-              <a:t>4/11/2018</a:t>
+              <a:t>6/5/2018</a:t>
             </a:fld>
             <a:endParaRPr lang="en-US"/>
           </a:p>
@@ -2255,7 +2255,7 @@
           <a:p>
             <a:fld id="{6F81013B-5B06-4D28-96F1-D627B35C6F6A}" type="datetimeFigureOut">
               <a:rPr lang="en-US" smtClean="0"/>
-              <a:t>4/11/2018</a:t>
+              <a:t>6/5/2018</a:t>
             </a:fld>
             <a:endParaRPr lang="en-US"/>
           </a:p>
@@ -2373,7 +2373,7 @@
           <a:p>
             <a:fld id="{6F81013B-5B06-4D28-96F1-D627B35C6F6A}" type="datetimeFigureOut">
               <a:rPr lang="en-US" smtClean="0"/>
-              <a:t>4/11/2018</a:t>
+              <a:t>6/5/2018</a:t>
             </a:fld>
             <a:endParaRPr lang="en-US"/>
           </a:p>
@@ -2468,7 +2468,7 @@
           <a:p>
             <a:fld id="{6F81013B-5B06-4D28-96F1-D627B35C6F6A}" type="datetimeFigureOut">
               <a:rPr lang="en-US" smtClean="0"/>
-              <a:t>4/11/2018</a:t>
+              <a:t>6/5/2018</a:t>
             </a:fld>
             <a:endParaRPr lang="en-US"/>
           </a:p>
@@ -2745,7 +2745,7 @@
           <a:p>
             <a:fld id="{6F81013B-5B06-4D28-96F1-D627B35C6F6A}" type="datetimeFigureOut">
               <a:rPr lang="en-US" smtClean="0"/>
-              <a:t>4/11/2018</a:t>
+              <a:t>6/5/2018</a:t>
             </a:fld>
             <a:endParaRPr lang="en-US"/>
           </a:p>
@@ -2998,7 +2998,7 @@
           <a:p>
             <a:fld id="{6F81013B-5B06-4D28-96F1-D627B35C6F6A}" type="datetimeFigureOut">
               <a:rPr lang="en-US" smtClean="0"/>
-              <a:t>4/11/2018</a:t>
+              <a:t>6/5/2018</a:t>
             </a:fld>
             <a:endParaRPr lang="en-US"/>
           </a:p>
@@ -3211,7 +3211,7 @@
           <a:p>
             <a:fld id="{6F81013B-5B06-4D28-96F1-D627B35C6F6A}" type="datetimeFigureOut">
               <a:rPr lang="en-US" smtClean="0"/>
-              <a:t>4/11/2018</a:t>
+              <a:t>6/5/2018</a:t>
             </a:fld>
             <a:endParaRPr lang="en-US"/>
           </a:p>
@@ -3696,11 +3696,7 @@
           <a:p>
             <a:r>
               <a:rPr lang="en-US" dirty="0" smtClean="0"/>
-              <a:t>Tinnitus may relate to reduced background </a:t>
-            </a:r>
-            <a:r>
-              <a:rPr lang="en-US" dirty="0" smtClean="0"/>
-              <a:t>alpha</a:t>
+              <a:t>Tinnitus may relate to reduced background alpha</a:t>
             </a:r>
           </a:p>
           <a:p>
@@ -3868,7 +3864,6 @@
               <a:rPr lang="en-US" dirty="0"/>
               <a:t>Studies on unimodal auditory degraded speech comprehension have demonstrated that parietal alpha power is enhanced when speech is degraded </a:t>
             </a:r>
-            <a:endParaRPr lang="en-US" dirty="0"/>
           </a:p>
         </p:txBody>
       </p:sp>
